--- a/Lecture/student_before_class_ppt/국방사이버보안_수업전_7강.pptx
+++ b/Lecture/student_before_class_ppt/국방사이버보안_수업전_7강.pptx
@@ -21,7 +21,7 @@
     <p:sldId id="536" r:id="rId15"/>
     <p:sldId id="537" r:id="rId16"/>
     <p:sldId id="549" r:id="rId17"/>
-    <p:sldId id="538" r:id="rId18"/>
+    <p:sldId id="687" r:id="rId18"/>
     <p:sldId id="539" r:id="rId19"/>
     <p:sldId id="686" r:id="rId20"/>
     <p:sldId id="540" r:id="rId21"/>
@@ -278,7 +278,7 @@
           <a:p>
             <a:fld id="{B271FF3B-60E5-4338-83A0-34CC4E37C1FA}" type="datetimeFigureOut">
               <a:rPr lang="ko-KR" altLang="en-US" smtClean="0"/>
-              <a:t>2021-05-07</a:t>
+              <a:t>2021-05-09</a:t>
             </a:fld>
             <a:endParaRPr lang="ko-KR" altLang="en-US"/>
           </a:p>
@@ -476,7 +476,7 @@
           <a:p>
             <a:fld id="{B271FF3B-60E5-4338-83A0-34CC4E37C1FA}" type="datetimeFigureOut">
               <a:rPr lang="ko-KR" altLang="en-US" smtClean="0"/>
-              <a:t>2021-05-07</a:t>
+              <a:t>2021-05-09</a:t>
             </a:fld>
             <a:endParaRPr lang="ko-KR" altLang="en-US"/>
           </a:p>
@@ -684,7 +684,7 @@
           <a:p>
             <a:fld id="{B271FF3B-60E5-4338-83A0-34CC4E37C1FA}" type="datetimeFigureOut">
               <a:rPr lang="ko-KR" altLang="en-US" smtClean="0"/>
-              <a:t>2021-05-07</a:t>
+              <a:t>2021-05-09</a:t>
             </a:fld>
             <a:endParaRPr lang="ko-KR" altLang="en-US"/>
           </a:p>
@@ -882,7 +882,7 @@
           <a:p>
             <a:fld id="{B271FF3B-60E5-4338-83A0-34CC4E37C1FA}" type="datetimeFigureOut">
               <a:rPr lang="ko-KR" altLang="en-US" smtClean="0"/>
-              <a:t>2021-05-07</a:t>
+              <a:t>2021-05-09</a:t>
             </a:fld>
             <a:endParaRPr lang="ko-KR" altLang="en-US"/>
           </a:p>
@@ -1157,7 +1157,7 @@
           <a:p>
             <a:fld id="{B271FF3B-60E5-4338-83A0-34CC4E37C1FA}" type="datetimeFigureOut">
               <a:rPr lang="ko-KR" altLang="en-US" smtClean="0"/>
-              <a:t>2021-05-07</a:t>
+              <a:t>2021-05-09</a:t>
             </a:fld>
             <a:endParaRPr lang="ko-KR" altLang="en-US"/>
           </a:p>
@@ -1422,7 +1422,7 @@
           <a:p>
             <a:fld id="{B271FF3B-60E5-4338-83A0-34CC4E37C1FA}" type="datetimeFigureOut">
               <a:rPr lang="ko-KR" altLang="en-US" smtClean="0"/>
-              <a:t>2021-05-07</a:t>
+              <a:t>2021-05-09</a:t>
             </a:fld>
             <a:endParaRPr lang="ko-KR" altLang="en-US"/>
           </a:p>
@@ -1834,7 +1834,7 @@
           <a:p>
             <a:fld id="{B271FF3B-60E5-4338-83A0-34CC4E37C1FA}" type="datetimeFigureOut">
               <a:rPr lang="ko-KR" altLang="en-US" smtClean="0"/>
-              <a:t>2021-05-07</a:t>
+              <a:t>2021-05-09</a:t>
             </a:fld>
             <a:endParaRPr lang="ko-KR" altLang="en-US"/>
           </a:p>
@@ -1975,7 +1975,7 @@
           <a:p>
             <a:fld id="{B271FF3B-60E5-4338-83A0-34CC4E37C1FA}" type="datetimeFigureOut">
               <a:rPr lang="ko-KR" altLang="en-US" smtClean="0"/>
-              <a:t>2021-05-07</a:t>
+              <a:t>2021-05-09</a:t>
             </a:fld>
             <a:endParaRPr lang="ko-KR" altLang="en-US"/>
           </a:p>
@@ -2088,7 +2088,7 @@
           <a:p>
             <a:fld id="{B271FF3B-60E5-4338-83A0-34CC4E37C1FA}" type="datetimeFigureOut">
               <a:rPr lang="ko-KR" altLang="en-US" smtClean="0"/>
-              <a:t>2021-05-07</a:t>
+              <a:t>2021-05-09</a:t>
             </a:fld>
             <a:endParaRPr lang="ko-KR" altLang="en-US"/>
           </a:p>
@@ -2399,7 +2399,7 @@
           <a:p>
             <a:fld id="{B271FF3B-60E5-4338-83A0-34CC4E37C1FA}" type="datetimeFigureOut">
               <a:rPr lang="ko-KR" altLang="en-US" smtClean="0"/>
-              <a:t>2021-05-07</a:t>
+              <a:t>2021-05-09</a:t>
             </a:fld>
             <a:endParaRPr lang="ko-KR" altLang="en-US"/>
           </a:p>
@@ -2687,7 +2687,7 @@
           <a:p>
             <a:fld id="{B271FF3B-60E5-4338-83A0-34CC4E37C1FA}" type="datetimeFigureOut">
               <a:rPr lang="ko-KR" altLang="en-US" smtClean="0"/>
-              <a:t>2021-05-07</a:t>
+              <a:t>2021-05-09</a:t>
             </a:fld>
             <a:endParaRPr lang="ko-KR" altLang="en-US"/>
           </a:p>
@@ -2928,7 +2928,7 @@
           <a:p>
             <a:fld id="{B271FF3B-60E5-4338-83A0-34CC4E37C1FA}" type="datetimeFigureOut">
               <a:rPr lang="ko-KR" altLang="en-US" smtClean="0"/>
-              <a:t>2021-05-07</a:t>
+              <a:t>2021-05-09</a:t>
             </a:fld>
             <a:endParaRPr lang="ko-KR" altLang="en-US"/>
           </a:p>
@@ -9850,10 +9850,63 @@
           </a:p>
         </p:txBody>
       </p:sp>
+      <p:sp>
+        <p:nvSpPr>
+          <p:cNvPr id="33" name="실행 단추: 문서 32">
+            <a:hlinkClick r:id="rId6" action="ppaction://hlinkfile"/>
+            <a:extLst>
+              <a:ext uri="{FF2B5EF4-FFF2-40B4-BE49-F238E27FC236}">
+                <a16:creationId xmlns:a16="http://schemas.microsoft.com/office/drawing/2014/main" id="{5B8E6399-6C6C-45E1-8F02-79DA716AD5BF}"/>
+              </a:ext>
+            </a:extLst>
+          </p:cNvPr>
+          <p:cNvSpPr/>
+          <p:nvPr/>
+        </p:nvSpPr>
+        <p:spPr>
+          <a:xfrm>
+            <a:off x="3504210" y="4831737"/>
+            <a:ext cx="520535" cy="513608"/>
+          </a:xfrm>
+          <a:prstGeom prst="actionButtonDocument">
+            <a:avLst/>
+          </a:prstGeom>
+          <a:solidFill>
+            <a:schemeClr val="accent4">
+              <a:lumMod val="20000"/>
+              <a:lumOff val="80000"/>
+            </a:schemeClr>
+          </a:solidFill>
+        </p:spPr>
+        <p:style>
+          <a:lnRef idx="2">
+            <a:schemeClr val="accent1">
+              <a:shade val="50000"/>
+            </a:schemeClr>
+          </a:lnRef>
+          <a:fillRef idx="1">
+            <a:schemeClr val="accent1"/>
+          </a:fillRef>
+          <a:effectRef idx="0">
+            <a:schemeClr val="accent1"/>
+          </a:effectRef>
+          <a:fontRef idx="minor">
+            <a:schemeClr val="lt1"/>
+          </a:fontRef>
+        </p:style>
+        <p:txBody>
+          <a:bodyPr rtlCol="0" anchor="ctr"/>
+          <a:lstStyle/>
+          <a:p>
+            <a:pPr algn="ctr"/>
+            <a:endParaRPr lang="ko-KR" altLang="en-US" dirty="0"/>
+          </a:p>
+        </p:txBody>
+      </p:sp>
     </p:spTree>
     <p:extLst>
       <p:ext uri="{BB962C8B-B14F-4D97-AF65-F5344CB8AC3E}">
-        <p14:creationId xmlns:p14="http://schemas.microsoft.com/office/powerpoint/2010/main" val="2469693633"/>
+        <p14:creationId xmlns:p14="http://schemas.microsoft.com/office/powerpoint/2010/main" val="1183352685"/>
       </p:ext>
     </p:extLst>
   </p:cSld>
